--- a/Article/Nodejs/글감_img/img.pptx
+++ b/Article/Nodejs/글감_img/img.pptx
@@ -114,6 +114,11 @@
       </a:defRPr>
     </a:lvl9pPr>
   </p:defaultTextStyle>
+  <p:extLst>
+    <p:ext uri="{EFAFB233-063F-42B5-8137-9DF3F51BA10A}">
+      <p15:sldGuideLst xmlns:p15="http://schemas.microsoft.com/office/powerpoint/2012/main"/>
+    </p:ext>
+  </p:extLst>
 </p:presentation>
 </file>
 
@@ -264,7 +269,7 @@
           <a:p>
             <a:fld id="{BB79FD97-263D-492A-901E-CD7CCD38A0B6}" type="datetimeFigureOut">
               <a:rPr lang="ko-KR" altLang="en-US" smtClean="0"/>
-              <a:t>2020-05-26</a:t>
+              <a:t>2020-05-30</a:t>
             </a:fld>
             <a:endParaRPr lang="ko-KR" altLang="en-US"/>
           </a:p>
@@ -462,7 +467,7 @@
           <a:p>
             <a:fld id="{BB79FD97-263D-492A-901E-CD7CCD38A0B6}" type="datetimeFigureOut">
               <a:rPr lang="ko-KR" altLang="en-US" smtClean="0"/>
-              <a:t>2020-05-26</a:t>
+              <a:t>2020-05-30</a:t>
             </a:fld>
             <a:endParaRPr lang="ko-KR" altLang="en-US"/>
           </a:p>
@@ -670,7 +675,7 @@
           <a:p>
             <a:fld id="{BB79FD97-263D-492A-901E-CD7CCD38A0B6}" type="datetimeFigureOut">
               <a:rPr lang="ko-KR" altLang="en-US" smtClean="0"/>
-              <a:t>2020-05-26</a:t>
+              <a:t>2020-05-30</a:t>
             </a:fld>
             <a:endParaRPr lang="ko-KR" altLang="en-US"/>
           </a:p>
@@ -868,7 +873,7 @@
           <a:p>
             <a:fld id="{BB79FD97-263D-492A-901E-CD7CCD38A0B6}" type="datetimeFigureOut">
               <a:rPr lang="ko-KR" altLang="en-US" smtClean="0"/>
-              <a:t>2020-05-26</a:t>
+              <a:t>2020-05-30</a:t>
             </a:fld>
             <a:endParaRPr lang="ko-KR" altLang="en-US"/>
           </a:p>
@@ -1143,7 +1148,7 @@
           <a:p>
             <a:fld id="{BB79FD97-263D-492A-901E-CD7CCD38A0B6}" type="datetimeFigureOut">
               <a:rPr lang="ko-KR" altLang="en-US" smtClean="0"/>
-              <a:t>2020-05-26</a:t>
+              <a:t>2020-05-30</a:t>
             </a:fld>
             <a:endParaRPr lang="ko-KR" altLang="en-US"/>
           </a:p>
@@ -1408,7 +1413,7 @@
           <a:p>
             <a:fld id="{BB79FD97-263D-492A-901E-CD7CCD38A0B6}" type="datetimeFigureOut">
               <a:rPr lang="ko-KR" altLang="en-US" smtClean="0"/>
-              <a:t>2020-05-26</a:t>
+              <a:t>2020-05-30</a:t>
             </a:fld>
             <a:endParaRPr lang="ko-KR" altLang="en-US"/>
           </a:p>
@@ -1820,7 +1825,7 @@
           <a:p>
             <a:fld id="{BB79FD97-263D-492A-901E-CD7CCD38A0B6}" type="datetimeFigureOut">
               <a:rPr lang="ko-KR" altLang="en-US" smtClean="0"/>
-              <a:t>2020-05-26</a:t>
+              <a:t>2020-05-30</a:t>
             </a:fld>
             <a:endParaRPr lang="ko-KR" altLang="en-US"/>
           </a:p>
@@ -1961,7 +1966,7 @@
           <a:p>
             <a:fld id="{BB79FD97-263D-492A-901E-CD7CCD38A0B6}" type="datetimeFigureOut">
               <a:rPr lang="ko-KR" altLang="en-US" smtClean="0"/>
-              <a:t>2020-05-26</a:t>
+              <a:t>2020-05-30</a:t>
             </a:fld>
             <a:endParaRPr lang="ko-KR" altLang="en-US"/>
           </a:p>
@@ -2074,7 +2079,7 @@
           <a:p>
             <a:fld id="{BB79FD97-263D-492A-901E-CD7CCD38A0B6}" type="datetimeFigureOut">
               <a:rPr lang="ko-KR" altLang="en-US" smtClean="0"/>
-              <a:t>2020-05-26</a:t>
+              <a:t>2020-05-30</a:t>
             </a:fld>
             <a:endParaRPr lang="ko-KR" altLang="en-US"/>
           </a:p>
@@ -2385,7 +2390,7 @@
           <a:p>
             <a:fld id="{BB79FD97-263D-492A-901E-CD7CCD38A0B6}" type="datetimeFigureOut">
               <a:rPr lang="ko-KR" altLang="en-US" smtClean="0"/>
-              <a:t>2020-05-26</a:t>
+              <a:t>2020-05-30</a:t>
             </a:fld>
             <a:endParaRPr lang="ko-KR" altLang="en-US"/>
           </a:p>
@@ -2673,7 +2678,7 @@
           <a:p>
             <a:fld id="{BB79FD97-263D-492A-901E-CD7CCD38A0B6}" type="datetimeFigureOut">
               <a:rPr lang="ko-KR" altLang="en-US" smtClean="0"/>
-              <a:t>2020-05-26</a:t>
+              <a:t>2020-05-30</a:t>
             </a:fld>
             <a:endParaRPr lang="ko-KR" altLang="en-US"/>
           </a:p>
@@ -2914,7 +2919,7 @@
           <a:p>
             <a:fld id="{BB79FD97-263D-492A-901E-CD7CCD38A0B6}" type="datetimeFigureOut">
               <a:rPr lang="ko-KR" altLang="en-US" smtClean="0"/>
-              <a:t>2020-05-26</a:t>
+              <a:t>2020-05-30</a:t>
             </a:fld>
             <a:endParaRPr lang="ko-KR" altLang="en-US"/>
           </a:p>
@@ -3480,8 +3485,8 @@
         </p:blipFill>
         <p:spPr>
           <a:xfrm>
-            <a:off x="3824287" y="2724150"/>
-            <a:ext cx="4543425" cy="1409700"/>
+            <a:off x="3474456" y="2615607"/>
+            <a:ext cx="5243087" cy="1626786"/>
           </a:xfrm>
           <a:prstGeom prst="rect">
             <a:avLst/>
